--- a/08-Angular/Bootstrap/BootStrap.pptx
+++ b/08-Angular/Bootstrap/BootStrap.pptx
@@ -6,8 +6,15 @@
   </p:sldMasterIdLst>
   <p:sldIdLst>
     <p:sldId id="256" r:id="rId2"/>
-    <p:sldId id="257" r:id="rId3"/>
-    <p:sldId id="258" r:id="rId4"/>
+    <p:sldId id="259" r:id="rId3"/>
+    <p:sldId id="260" r:id="rId4"/>
+    <p:sldId id="261" r:id="rId5"/>
+    <p:sldId id="263" r:id="rId6"/>
+    <p:sldId id="264" r:id="rId7"/>
+    <p:sldId id="265" r:id="rId8"/>
+    <p:sldId id="262" r:id="rId9"/>
+    <p:sldId id="257" r:id="rId10"/>
+    <p:sldId id="258" r:id="rId11"/>
   </p:sldIdLst>
   <p:sldSz cx="12192000" cy="6858000"/>
   <p:notesSz cx="6858000" cy="9144000"/>
@@ -106,6 +113,11 @@
       </a:defRPr>
     </a:lvl9pPr>
   </p:defaultTextStyle>
+  <p:extLst>
+    <p:ext uri="{EFAFB233-063F-42B5-8137-9DF3F51BA10A}">
+      <p15:sldGuideLst xmlns:p15="http://schemas.microsoft.com/office/powerpoint/2012/main"/>
+    </p:ext>
+  </p:extLst>
 </p:presentation>
 </file>
 
@@ -2976,37 +2988,60 @@
             <p:ph type="ctrTitle"/>
           </p:nvPr>
         </p:nvSpPr>
+        <p:spPr>
+          <a:xfrm>
+            <a:off x="1524000" y="2443941"/>
+            <a:ext cx="9144000" cy="1066021"/>
+          </a:xfrm>
+        </p:spPr>
+        <p:txBody>
+          <a:bodyPr/>
+          <a:lstStyle/>
+          <a:p>
+            <a:r>
+              <a:rPr lang="fr-FR" dirty="0" err="1" smtClean="0">
+                <a:solidFill>
+                  <a:srgbClr val="002060"/>
+                </a:solidFill>
+              </a:rPr>
+              <a:t>BootStrap</a:t>
+            </a:r>
+            <a:endParaRPr lang="fr-FR" dirty="0">
+              <a:solidFill>
+                <a:srgbClr val="002060"/>
+              </a:solidFill>
+            </a:endParaRPr>
+          </a:p>
+        </p:txBody>
+      </p:sp>
+      <p:sp>
+        <p:nvSpPr>
+          <p:cNvPr id="3" name="Sous-titre 2"/>
+          <p:cNvSpPr>
+            <a:spLocks noGrp="1"/>
+          </p:cNvSpPr>
+          <p:nvPr>
+            <p:ph type="subTitle" idx="1"/>
+          </p:nvPr>
+        </p:nvSpPr>
         <p:spPr/>
         <p:txBody>
           <a:bodyPr/>
           <a:lstStyle/>
           <a:p>
             <a:r>
-              <a:rPr lang="fr-FR" dirty="0" err="1" smtClean="0"/>
-              <a:t>BootStrap</a:t>
-            </a:r>
-            <a:endParaRPr lang="fr-FR" dirty="0"/>
-          </a:p>
-        </p:txBody>
-      </p:sp>
-      <p:sp>
-        <p:nvSpPr>
-          <p:cNvPr id="3" name="Sous-titre 2"/>
-          <p:cNvSpPr>
-            <a:spLocks noGrp="1"/>
-          </p:cNvSpPr>
-          <p:nvPr>
-            <p:ph type="subTitle" idx="1"/>
-          </p:nvPr>
-        </p:nvSpPr>
-        <p:spPr/>
-        <p:txBody>
-          <a:bodyPr/>
-          <a:lstStyle/>
-          <a:p>
-            <a:r>
               <a:rPr lang="fr-FR" dirty="0" smtClean="0"/>
-              <a:t>Framework CSS /HTML/JavaScript</a:t>
+              <a:t>Framework CSS /</a:t>
+            </a:r>
+            <a:r>
+              <a:rPr lang="fr-FR" dirty="0" smtClean="0"/>
+              <a:t>HTML/JavaScript</a:t>
+            </a:r>
+          </a:p>
+          <a:p>
+            <a:r>
+              <a:rPr lang="fr-FR" dirty="0" smtClean="0"/>
+              <a:t>Système de classes</a:t>
             </a:r>
             <a:endParaRPr lang="fr-FR" dirty="0"/>
           </a:p>
@@ -3022,6 +3057,568 @@
   <p:clrMapOvr>
     <a:masterClrMapping/>
   </p:clrMapOvr>
+  <p:timing>
+    <p:tnLst>
+      <p:par>
+        <p:cTn id="1" dur="indefinite" restart="never" nodeType="tmRoot">
+          <p:childTnLst>
+            <p:seq concurrent="1" nextAc="seek">
+              <p:cTn id="2" dur="indefinite" nodeType="mainSeq">
+                <p:childTnLst>
+                  <p:par>
+                    <p:cTn id="3" fill="hold">
+                      <p:stCondLst>
+                        <p:cond delay="indefinite"/>
+                      </p:stCondLst>
+                      <p:childTnLst>
+                        <p:par>
+                          <p:cTn id="4" fill="hold">
+                            <p:stCondLst>
+                              <p:cond delay="0"/>
+                            </p:stCondLst>
+                            <p:childTnLst>
+                              <p:par>
+                                <p:cTn id="5" presetID="26" presetClass="entr" presetSubtype="0" fill="hold" grpId="0" nodeType="clickEffect">
+                                  <p:stCondLst>
+                                    <p:cond delay="0"/>
+                                  </p:stCondLst>
+                                  <p:childTnLst>
+                                    <p:set>
+                                      <p:cBhvr>
+                                        <p:cTn id="6" dur="1" fill="hold">
+                                          <p:stCondLst>
+                                            <p:cond delay="0"/>
+                                          </p:stCondLst>
+                                        </p:cTn>
+                                        <p:tgtEl>
+                                          <p:spTgt spid="2"/>
+                                        </p:tgtEl>
+                                        <p:attrNameLst>
+                                          <p:attrName>style.visibility</p:attrName>
+                                        </p:attrNameLst>
+                                      </p:cBhvr>
+                                      <p:to>
+                                        <p:strVal val="visible"/>
+                                      </p:to>
+                                    </p:set>
+                                    <p:animEffect transition="in" filter="wipe(down)">
+                                      <p:cBhvr>
+                                        <p:cTn id="7" dur="580">
+                                          <p:stCondLst>
+                                            <p:cond delay="0"/>
+                                          </p:stCondLst>
+                                        </p:cTn>
+                                        <p:tgtEl>
+                                          <p:spTgt spid="2"/>
+                                        </p:tgtEl>
+                                      </p:cBhvr>
+                                    </p:animEffect>
+                                    <p:anim calcmode="lin" valueType="num">
+                                      <p:cBhvr>
+                                        <p:cTn id="8" dur="1822" tmFilter="0,0; 0.14,0.36; 0.43,0.73; 0.71,0.91; 1.0,1.0">
+                                          <p:stCondLst>
+                                            <p:cond delay="0"/>
+                                          </p:stCondLst>
+                                        </p:cTn>
+                                        <p:tgtEl>
+                                          <p:spTgt spid="2"/>
+                                        </p:tgtEl>
+                                        <p:attrNameLst>
+                                          <p:attrName>ppt_x</p:attrName>
+                                        </p:attrNameLst>
+                                      </p:cBhvr>
+                                      <p:tavLst>
+                                        <p:tav tm="0">
+                                          <p:val>
+                                            <p:strVal val="#ppt_x-0.25"/>
+                                          </p:val>
+                                        </p:tav>
+                                        <p:tav tm="100000">
+                                          <p:val>
+                                            <p:strVal val="#ppt_x"/>
+                                          </p:val>
+                                        </p:tav>
+                                      </p:tavLst>
+                                    </p:anim>
+                                    <p:anim calcmode="lin" valueType="num">
+                                      <p:cBhvr>
+                                        <p:cTn id="9" dur="664" tmFilter="0.0,0.0; 0.25,0.07; 0.50,0.2; 0.75,0.467; 1.0,1.0">
+                                          <p:stCondLst>
+                                            <p:cond delay="0"/>
+                                          </p:stCondLst>
+                                        </p:cTn>
+                                        <p:tgtEl>
+                                          <p:spTgt spid="2"/>
+                                        </p:tgtEl>
+                                        <p:attrNameLst>
+                                          <p:attrName>ppt_y</p:attrName>
+                                        </p:attrNameLst>
+                                      </p:cBhvr>
+                                      <p:tavLst>
+                                        <p:tav tm="0" fmla="#ppt_y-sin(pi*$)/3">
+                                          <p:val>
+                                            <p:fltVal val="0.5"/>
+                                          </p:val>
+                                        </p:tav>
+                                        <p:tav tm="100000">
+                                          <p:val>
+                                            <p:fltVal val="1"/>
+                                          </p:val>
+                                        </p:tav>
+                                      </p:tavLst>
+                                    </p:anim>
+                                    <p:anim calcmode="lin" valueType="num">
+                                      <p:cBhvr>
+                                        <p:cTn id="10" dur="664" tmFilter="0, 0; 0.125,0.2665; 0.25,0.4; 0.375,0.465; 0.5,0.5;  0.625,0.535; 0.75,0.6; 0.875,0.7335; 1,1">
+                                          <p:stCondLst>
+                                            <p:cond delay="664"/>
+                                          </p:stCondLst>
+                                        </p:cTn>
+                                        <p:tgtEl>
+                                          <p:spTgt spid="2"/>
+                                        </p:tgtEl>
+                                        <p:attrNameLst>
+                                          <p:attrName>ppt_y</p:attrName>
+                                        </p:attrNameLst>
+                                      </p:cBhvr>
+                                      <p:tavLst>
+                                        <p:tav tm="0" fmla="#ppt_y-sin(pi*$)/9">
+                                          <p:val>
+                                            <p:fltVal val="0"/>
+                                          </p:val>
+                                        </p:tav>
+                                        <p:tav tm="100000">
+                                          <p:val>
+                                            <p:fltVal val="1"/>
+                                          </p:val>
+                                        </p:tav>
+                                      </p:tavLst>
+                                    </p:anim>
+                                    <p:anim calcmode="lin" valueType="num">
+                                      <p:cBhvr>
+                                        <p:cTn id="11" dur="332" tmFilter="0, 0; 0.125,0.2665; 0.25,0.4; 0.375,0.465; 0.5,0.5;  0.625,0.535; 0.75,0.6; 0.875,0.7335; 1,1">
+                                          <p:stCondLst>
+                                            <p:cond delay="1324"/>
+                                          </p:stCondLst>
+                                        </p:cTn>
+                                        <p:tgtEl>
+                                          <p:spTgt spid="2"/>
+                                        </p:tgtEl>
+                                        <p:attrNameLst>
+                                          <p:attrName>ppt_y</p:attrName>
+                                        </p:attrNameLst>
+                                      </p:cBhvr>
+                                      <p:tavLst>
+                                        <p:tav tm="0" fmla="#ppt_y-sin(pi*$)/27">
+                                          <p:val>
+                                            <p:fltVal val="0"/>
+                                          </p:val>
+                                        </p:tav>
+                                        <p:tav tm="100000">
+                                          <p:val>
+                                            <p:fltVal val="1"/>
+                                          </p:val>
+                                        </p:tav>
+                                      </p:tavLst>
+                                    </p:anim>
+                                    <p:anim calcmode="lin" valueType="num">
+                                      <p:cBhvr>
+                                        <p:cTn id="12" dur="164" tmFilter="0, 0; 0.125,0.2665; 0.25,0.4; 0.375,0.465; 0.5,0.5;  0.625,0.535; 0.75,0.6; 0.875,0.7335; 1,1">
+                                          <p:stCondLst>
+                                            <p:cond delay="1656"/>
+                                          </p:stCondLst>
+                                        </p:cTn>
+                                        <p:tgtEl>
+                                          <p:spTgt spid="2"/>
+                                        </p:tgtEl>
+                                        <p:attrNameLst>
+                                          <p:attrName>ppt_y</p:attrName>
+                                        </p:attrNameLst>
+                                      </p:cBhvr>
+                                      <p:tavLst>
+                                        <p:tav tm="0" fmla="#ppt_y-sin(pi*$)/81">
+                                          <p:val>
+                                            <p:fltVal val="0"/>
+                                          </p:val>
+                                        </p:tav>
+                                        <p:tav tm="100000">
+                                          <p:val>
+                                            <p:fltVal val="1"/>
+                                          </p:val>
+                                        </p:tav>
+                                      </p:tavLst>
+                                    </p:anim>
+                                    <p:animScale>
+                                      <p:cBhvr>
+                                        <p:cTn id="13" dur="26">
+                                          <p:stCondLst>
+                                            <p:cond delay="650"/>
+                                          </p:stCondLst>
+                                        </p:cTn>
+                                        <p:tgtEl>
+                                          <p:spTgt spid="2"/>
+                                        </p:tgtEl>
+                                      </p:cBhvr>
+                                      <p:to x="100000" y="60000"/>
+                                    </p:animScale>
+                                    <p:animScale>
+                                      <p:cBhvr>
+                                        <p:cTn id="14" dur="166" decel="50000">
+                                          <p:stCondLst>
+                                            <p:cond delay="676"/>
+                                          </p:stCondLst>
+                                        </p:cTn>
+                                        <p:tgtEl>
+                                          <p:spTgt spid="2"/>
+                                        </p:tgtEl>
+                                      </p:cBhvr>
+                                      <p:to x="100000" y="100000"/>
+                                    </p:animScale>
+                                    <p:animScale>
+                                      <p:cBhvr>
+                                        <p:cTn id="15" dur="26">
+                                          <p:stCondLst>
+                                            <p:cond delay="1312"/>
+                                          </p:stCondLst>
+                                        </p:cTn>
+                                        <p:tgtEl>
+                                          <p:spTgt spid="2"/>
+                                        </p:tgtEl>
+                                      </p:cBhvr>
+                                      <p:to x="100000" y="80000"/>
+                                    </p:animScale>
+                                    <p:animScale>
+                                      <p:cBhvr>
+                                        <p:cTn id="16" dur="166" decel="50000">
+                                          <p:stCondLst>
+                                            <p:cond delay="1338"/>
+                                          </p:stCondLst>
+                                        </p:cTn>
+                                        <p:tgtEl>
+                                          <p:spTgt spid="2"/>
+                                        </p:tgtEl>
+                                      </p:cBhvr>
+                                      <p:to x="100000" y="100000"/>
+                                    </p:animScale>
+                                    <p:animScale>
+                                      <p:cBhvr>
+                                        <p:cTn id="17" dur="26">
+                                          <p:stCondLst>
+                                            <p:cond delay="1642"/>
+                                          </p:stCondLst>
+                                        </p:cTn>
+                                        <p:tgtEl>
+                                          <p:spTgt spid="2"/>
+                                        </p:tgtEl>
+                                      </p:cBhvr>
+                                      <p:to x="100000" y="90000"/>
+                                    </p:animScale>
+                                    <p:animScale>
+                                      <p:cBhvr>
+                                        <p:cTn id="18" dur="166" decel="50000">
+                                          <p:stCondLst>
+                                            <p:cond delay="1668"/>
+                                          </p:stCondLst>
+                                        </p:cTn>
+                                        <p:tgtEl>
+                                          <p:spTgt spid="2"/>
+                                        </p:tgtEl>
+                                      </p:cBhvr>
+                                      <p:to x="100000" y="100000"/>
+                                    </p:animScale>
+                                    <p:animScale>
+                                      <p:cBhvr>
+                                        <p:cTn id="19" dur="26">
+                                          <p:stCondLst>
+                                            <p:cond delay="1808"/>
+                                          </p:stCondLst>
+                                        </p:cTn>
+                                        <p:tgtEl>
+                                          <p:spTgt spid="2"/>
+                                        </p:tgtEl>
+                                      </p:cBhvr>
+                                      <p:to x="100000" y="95000"/>
+                                    </p:animScale>
+                                    <p:animScale>
+                                      <p:cBhvr>
+                                        <p:cTn id="20" dur="166" decel="50000">
+                                          <p:stCondLst>
+                                            <p:cond delay="1834"/>
+                                          </p:stCondLst>
+                                        </p:cTn>
+                                        <p:tgtEl>
+                                          <p:spTgt spid="2"/>
+                                        </p:tgtEl>
+                                      </p:cBhvr>
+                                      <p:to x="100000" y="100000"/>
+                                    </p:animScale>
+                                  </p:childTnLst>
+                                </p:cTn>
+                              </p:par>
+                            </p:childTnLst>
+                          </p:cTn>
+                        </p:par>
+                      </p:childTnLst>
+                    </p:cTn>
+                  </p:par>
+                  <p:par>
+                    <p:cTn id="21" fill="hold">
+                      <p:stCondLst>
+                        <p:cond delay="indefinite"/>
+                      </p:stCondLst>
+                      <p:childTnLst>
+                        <p:par>
+                          <p:cTn id="22" fill="hold">
+                            <p:stCondLst>
+                              <p:cond delay="0"/>
+                            </p:stCondLst>
+                            <p:childTnLst>
+                              <p:par>
+                                <p:cTn id="23" presetID="10" presetClass="entr" presetSubtype="0" fill="hold" grpId="0" nodeType="clickEffect">
+                                  <p:stCondLst>
+                                    <p:cond delay="0"/>
+                                  </p:stCondLst>
+                                  <p:childTnLst>
+                                    <p:set>
+                                      <p:cBhvr>
+                                        <p:cTn id="24" dur="1" fill="hold">
+                                          <p:stCondLst>
+                                            <p:cond delay="0"/>
+                                          </p:stCondLst>
+                                        </p:cTn>
+                                        <p:tgtEl>
+                                          <p:spTgt spid="3">
+                                            <p:txEl>
+                                              <p:pRg st="0" end="0"/>
+                                            </p:txEl>
+                                          </p:spTgt>
+                                        </p:tgtEl>
+                                        <p:attrNameLst>
+                                          <p:attrName>style.visibility</p:attrName>
+                                        </p:attrNameLst>
+                                      </p:cBhvr>
+                                      <p:to>
+                                        <p:strVal val="visible"/>
+                                      </p:to>
+                                    </p:set>
+                                    <p:animEffect transition="in" filter="fade">
+                                      <p:cBhvr>
+                                        <p:cTn id="25" dur="500"/>
+                                        <p:tgtEl>
+                                          <p:spTgt spid="3">
+                                            <p:txEl>
+                                              <p:pRg st="0" end="0"/>
+                                            </p:txEl>
+                                          </p:spTgt>
+                                        </p:tgtEl>
+                                      </p:cBhvr>
+                                    </p:animEffect>
+                                  </p:childTnLst>
+                                </p:cTn>
+                              </p:par>
+                            </p:childTnLst>
+                          </p:cTn>
+                        </p:par>
+                      </p:childTnLst>
+                    </p:cTn>
+                  </p:par>
+                  <p:par>
+                    <p:cTn id="26" fill="hold">
+                      <p:stCondLst>
+                        <p:cond delay="indefinite"/>
+                      </p:stCondLst>
+                      <p:childTnLst>
+                        <p:par>
+                          <p:cTn id="27" fill="hold">
+                            <p:stCondLst>
+                              <p:cond delay="0"/>
+                            </p:stCondLst>
+                            <p:childTnLst>
+                              <p:par>
+                                <p:cTn id="28" presetID="10" presetClass="entr" presetSubtype="0" fill="hold" grpId="0" nodeType="clickEffect">
+                                  <p:stCondLst>
+                                    <p:cond delay="0"/>
+                                  </p:stCondLst>
+                                  <p:childTnLst>
+                                    <p:set>
+                                      <p:cBhvr>
+                                        <p:cTn id="29" dur="1" fill="hold">
+                                          <p:stCondLst>
+                                            <p:cond delay="0"/>
+                                          </p:stCondLst>
+                                        </p:cTn>
+                                        <p:tgtEl>
+                                          <p:spTgt spid="3">
+                                            <p:txEl>
+                                              <p:pRg st="1" end="1"/>
+                                            </p:txEl>
+                                          </p:spTgt>
+                                        </p:tgtEl>
+                                        <p:attrNameLst>
+                                          <p:attrName>style.visibility</p:attrName>
+                                        </p:attrNameLst>
+                                      </p:cBhvr>
+                                      <p:to>
+                                        <p:strVal val="visible"/>
+                                      </p:to>
+                                    </p:set>
+                                    <p:animEffect transition="in" filter="fade">
+                                      <p:cBhvr>
+                                        <p:cTn id="30" dur="500"/>
+                                        <p:tgtEl>
+                                          <p:spTgt spid="3">
+                                            <p:txEl>
+                                              <p:pRg st="1" end="1"/>
+                                            </p:txEl>
+                                          </p:spTgt>
+                                        </p:tgtEl>
+                                      </p:cBhvr>
+                                    </p:animEffect>
+                                  </p:childTnLst>
+                                </p:cTn>
+                              </p:par>
+                            </p:childTnLst>
+                          </p:cTn>
+                        </p:par>
+                      </p:childTnLst>
+                    </p:cTn>
+                  </p:par>
+                </p:childTnLst>
+              </p:cTn>
+              <p:prevCondLst>
+                <p:cond evt="onPrev" delay="0">
+                  <p:tgtEl>
+                    <p:sldTgt/>
+                  </p:tgtEl>
+                </p:cond>
+              </p:prevCondLst>
+              <p:nextCondLst>
+                <p:cond evt="onNext" delay="0">
+                  <p:tgtEl>
+                    <p:sldTgt/>
+                  </p:tgtEl>
+                </p:cond>
+              </p:nextCondLst>
+            </p:seq>
+          </p:childTnLst>
+        </p:cTn>
+      </p:par>
+    </p:tnLst>
+    <p:bldLst>
+      <p:bldP spid="2" grpId="0"/>
+      <p:bldP spid="3" grpId="0" build="p"/>
+    </p:bldLst>
+  </p:timing>
+</p:sld>
+</file>
+
+<file path=ppt/slides/slide10.xml><?xml version="1.0" encoding="utf-8"?>
+<p:sld xmlns:a="http://schemas.openxmlformats.org/drawingml/2006/main" xmlns:r="http://schemas.openxmlformats.org/officeDocument/2006/relationships" xmlns:p="http://schemas.openxmlformats.org/presentationml/2006/main">
+  <p:cSld>
+    <p:spTree>
+      <p:nvGrpSpPr>
+        <p:cNvPr id="1" name=""/>
+        <p:cNvGrpSpPr/>
+        <p:nvPr/>
+      </p:nvGrpSpPr>
+      <p:grpSpPr>
+        <a:xfrm>
+          <a:off x="0" y="0"/>
+          <a:ext cx="0" cy="0"/>
+          <a:chOff x="0" y="0"/>
+          <a:chExt cx="0" cy="0"/>
+        </a:xfrm>
+      </p:grpSpPr>
+      <p:sp>
+        <p:nvSpPr>
+          <p:cNvPr id="2" name="Titre 1"/>
+          <p:cNvSpPr>
+            <a:spLocks noGrp="1"/>
+          </p:cNvSpPr>
+          <p:nvPr>
+            <p:ph type="title"/>
+          </p:nvPr>
+        </p:nvSpPr>
+        <p:spPr/>
+        <p:txBody>
+          <a:bodyPr/>
+          <a:lstStyle/>
+          <a:p>
+            <a:pPr algn="ctr"/>
+            <a:r>
+              <a:rPr lang="fr-FR" dirty="0" smtClean="0">
+                <a:solidFill>
+                  <a:srgbClr val="002060"/>
+                </a:solidFill>
+              </a:rPr>
+              <a:t>Inconvénients</a:t>
+            </a:r>
+            <a:endParaRPr lang="fr-FR" dirty="0">
+              <a:solidFill>
+                <a:srgbClr val="002060"/>
+              </a:solidFill>
+            </a:endParaRPr>
+          </a:p>
+        </p:txBody>
+      </p:sp>
+      <p:sp>
+        <p:nvSpPr>
+          <p:cNvPr id="3" name="Espace réservé du contenu 2"/>
+          <p:cNvSpPr>
+            <a:spLocks noGrp="1"/>
+          </p:cNvSpPr>
+          <p:nvPr>
+            <p:ph idx="1"/>
+          </p:nvPr>
+        </p:nvSpPr>
+        <p:spPr/>
+        <p:txBody>
+          <a:bodyPr/>
+          <a:lstStyle/>
+          <a:p>
+            <a:r>
+              <a:rPr lang="fr-FR" dirty="0" smtClean="0"/>
+              <a:t>Prise en main +/- difficile</a:t>
+            </a:r>
+          </a:p>
+          <a:p>
+            <a:endParaRPr lang="fr-FR" dirty="0" smtClean="0"/>
+          </a:p>
+          <a:p>
+            <a:r>
+              <a:rPr lang="fr-FR" dirty="0" smtClean="0"/>
+              <a:t>Similitudes entre les sites</a:t>
+            </a:r>
+          </a:p>
+          <a:p>
+            <a:endParaRPr lang="fr-FR" dirty="0" smtClean="0"/>
+          </a:p>
+          <a:p>
+            <a:r>
+              <a:rPr lang="fr-FR" dirty="0" smtClean="0"/>
+              <a:t>Optimisation </a:t>
+            </a:r>
+            <a:endParaRPr lang="fr-FR" dirty="0"/>
+          </a:p>
+        </p:txBody>
+      </p:sp>
+    </p:spTree>
+    <p:extLst>
+      <p:ext uri="{BB962C8B-B14F-4D97-AF65-F5344CB8AC3E}">
+        <p14:creationId xmlns:p14="http://schemas.microsoft.com/office/powerpoint/2010/main" val="3115796897"/>
+      </p:ext>
+    </p:extLst>
+  </p:cSld>
+  <p:clrMapOvr>
+    <a:masterClrMapping/>
+  </p:clrMapOvr>
+  <p:timing>
+    <p:tnLst>
+      <p:par>
+        <p:cTn id="1" dur="indefinite" restart="never" nodeType="tmRoot"/>
+      </p:par>
+    </p:tnLst>
+  </p:timing>
 </p:sld>
 </file>
 
@@ -3059,32 +3656,451 @@
           <a:p>
             <a:pPr algn="ctr"/>
             <a:r>
+              <a:rPr lang="fr-FR" dirty="0" smtClean="0">
+                <a:solidFill>
+                  <a:srgbClr val="002060"/>
+                </a:solidFill>
+              </a:rPr>
+              <a:t>Système de </a:t>
+            </a:r>
+            <a:r>
+              <a:rPr lang="fr-FR" dirty="0" err="1" smtClean="0">
+                <a:solidFill>
+                  <a:srgbClr val="002060"/>
+                </a:solidFill>
+              </a:rPr>
+              <a:t>grid</a:t>
+            </a:r>
+            <a:endParaRPr lang="fr-FR" dirty="0">
+              <a:solidFill>
+                <a:srgbClr val="002060"/>
+              </a:solidFill>
+            </a:endParaRPr>
+          </a:p>
+        </p:txBody>
+      </p:sp>
+      <p:sp>
+        <p:nvSpPr>
+          <p:cNvPr id="7" name="Espace réservé du contenu 6"/>
+          <p:cNvSpPr>
+            <a:spLocks noGrp="1"/>
+          </p:cNvSpPr>
+          <p:nvPr>
+            <p:ph idx="1"/>
+          </p:nvPr>
+        </p:nvSpPr>
+        <p:spPr>
+          <a:xfrm>
+            <a:off x="565265" y="2161309"/>
+            <a:ext cx="10016837" cy="698270"/>
+          </a:xfrm>
+        </p:spPr>
+        <p:txBody>
+          <a:bodyPr/>
+          <a:lstStyle/>
+          <a:p>
+            <a:pPr algn="ctr"/>
+            <a:r>
               <a:rPr lang="fr-FR" dirty="0" smtClean="0"/>
-              <a:t>Système de grille</a:t>
-            </a:r>
+              <a:t>Composé de </a:t>
+            </a:r>
+            <a:r>
+              <a:rPr lang="fr-FR" dirty="0" smtClean="0">
+                <a:solidFill>
+                  <a:schemeClr val="accent4">
+                    <a:lumMod val="50000"/>
+                  </a:schemeClr>
+                </a:solidFill>
+              </a:rPr>
+              <a:t>12 colonnes </a:t>
+            </a:r>
+            <a:r>
+              <a:rPr lang="fr-FR" dirty="0" smtClean="0">
+                <a:solidFill>
+                  <a:schemeClr val="accent6">
+                    <a:lumMod val="50000"/>
+                  </a:schemeClr>
+                </a:solidFill>
+              </a:rPr>
+              <a:t>responsive</a:t>
+            </a:r>
+          </a:p>
+          <a:p>
+            <a:endParaRPr lang="fr-FR" dirty="0" smtClean="0"/>
+          </a:p>
+        </p:txBody>
+      </p:sp>
+      <p:sp>
+        <p:nvSpPr>
+          <p:cNvPr id="10" name="ZoneTexte 9"/>
+          <p:cNvSpPr txBox="1"/>
+          <p:nvPr/>
+        </p:nvSpPr>
+        <p:spPr>
+          <a:xfrm>
+            <a:off x="6795656" y="3150253"/>
+            <a:ext cx="4468090" cy="3662541"/>
+          </a:xfrm>
+          <a:prstGeom prst="rect">
+            <a:avLst/>
+          </a:prstGeom>
+          <a:noFill/>
+        </p:spPr>
+        <p:txBody>
+          <a:bodyPr wrap="square" rtlCol="0">
+            <a:spAutoFit/>
+          </a:bodyPr>
+          <a:lstStyle/>
+          <a:p>
+            <a:r>
+              <a:rPr lang="fr-FR" sz="2800" dirty="0" smtClean="0">
+                <a:solidFill>
+                  <a:schemeClr val="accent6">
+                    <a:lumMod val="50000"/>
+                  </a:schemeClr>
+                </a:solidFill>
+              </a:rPr>
+              <a:t>5 classes responsives  </a:t>
+            </a:r>
+            <a:r>
+              <a:rPr lang="fr-FR" sz="2800" dirty="0">
+                <a:solidFill>
+                  <a:schemeClr val="accent6">
+                    <a:lumMod val="50000"/>
+                  </a:schemeClr>
+                </a:solidFill>
+              </a:rPr>
+              <a:t>:        </a:t>
+            </a:r>
+          </a:p>
+          <a:p>
+            <a:pPr>
+              <a:lnSpc>
+                <a:spcPct val="150000"/>
+              </a:lnSpc>
+              <a:buFont typeface="Courier New" panose="02070309020205020404" pitchFamily="49" charset="0"/>
+              <a:buChar char="o"/>
+            </a:pPr>
+            <a:r>
+              <a:rPr lang="fr-FR" sz="2000" dirty="0" smtClean="0"/>
+              <a:t> Tout les écrans : </a:t>
+            </a:r>
+            <a:r>
+              <a:rPr lang="fr-FR" sz="2000" dirty="0" smtClean="0">
+                <a:solidFill>
+                  <a:srgbClr val="C00000"/>
+                </a:solidFill>
+              </a:rPr>
+              <a:t>.col</a:t>
+            </a:r>
+            <a:endParaRPr lang="fr-FR" sz="2000" dirty="0">
+              <a:solidFill>
+                <a:srgbClr val="C00000"/>
+              </a:solidFill>
+            </a:endParaRPr>
+          </a:p>
+          <a:p>
+            <a:pPr>
+              <a:lnSpc>
+                <a:spcPct val="150000"/>
+              </a:lnSpc>
+              <a:buFont typeface="Courier New" panose="02070309020205020404" pitchFamily="49" charset="0"/>
+              <a:buChar char="o"/>
+            </a:pPr>
+            <a:r>
+              <a:rPr lang="fr-FR" sz="2000" dirty="0" smtClean="0"/>
+              <a:t> Petit(&gt;=576px) : </a:t>
+            </a:r>
+            <a:r>
+              <a:rPr lang="fr-FR" sz="2000" dirty="0" smtClean="0">
+                <a:solidFill>
+                  <a:srgbClr val="C00000"/>
+                </a:solidFill>
+              </a:rPr>
+              <a:t>.col-</a:t>
+            </a:r>
+            <a:r>
+              <a:rPr lang="fr-FR" sz="2000" dirty="0" err="1" smtClean="0">
+                <a:solidFill>
+                  <a:srgbClr val="C00000"/>
+                </a:solidFill>
+              </a:rPr>
+              <a:t>sm</a:t>
+            </a:r>
+            <a:r>
+              <a:rPr lang="fr-FR" sz="2000" dirty="0" smtClean="0">
+                <a:solidFill>
+                  <a:srgbClr val="C00000"/>
+                </a:solidFill>
+              </a:rPr>
+              <a:t>                     </a:t>
+            </a:r>
+            <a:endParaRPr lang="fr-FR" sz="2000" dirty="0">
+              <a:solidFill>
+                <a:srgbClr val="C00000"/>
+              </a:solidFill>
+            </a:endParaRPr>
+          </a:p>
+          <a:p>
+            <a:pPr>
+              <a:lnSpc>
+                <a:spcPct val="150000"/>
+              </a:lnSpc>
+              <a:buFont typeface="Courier New" panose="02070309020205020404" pitchFamily="49" charset="0"/>
+              <a:buChar char="o"/>
+            </a:pPr>
+            <a:r>
+              <a:rPr lang="fr-FR" sz="2000" dirty="0" smtClean="0"/>
+              <a:t> Moyen(768px) : </a:t>
+            </a:r>
+            <a:r>
+              <a:rPr lang="fr-FR" sz="2000" dirty="0">
+                <a:solidFill>
+                  <a:srgbClr val="C00000"/>
+                </a:solidFill>
+              </a:rPr>
+              <a:t>.</a:t>
+            </a:r>
+            <a:r>
+              <a:rPr lang="fr-FR" sz="2000" dirty="0" smtClean="0">
+                <a:solidFill>
+                  <a:srgbClr val="C00000"/>
+                </a:solidFill>
+              </a:rPr>
+              <a:t>col-md</a:t>
+            </a:r>
+          </a:p>
+          <a:p>
+            <a:pPr>
+              <a:lnSpc>
+                <a:spcPct val="150000"/>
+              </a:lnSpc>
+              <a:buFont typeface="Courier New" panose="02070309020205020404" pitchFamily="49" charset="0"/>
+              <a:buChar char="o"/>
+            </a:pPr>
+            <a:r>
+              <a:rPr lang="fr-FR" sz="2000" dirty="0" smtClean="0"/>
+              <a:t> Grand(992px</a:t>
+            </a:r>
+            <a:r>
+              <a:rPr lang="fr-FR" sz="2000" dirty="0"/>
+              <a:t>) </a:t>
+            </a:r>
+            <a:r>
+              <a:rPr lang="fr-FR" sz="2000" dirty="0" smtClean="0"/>
+              <a:t>: </a:t>
+            </a:r>
+            <a:r>
+              <a:rPr lang="fr-FR" sz="2000" dirty="0" smtClean="0">
+                <a:solidFill>
+                  <a:srgbClr val="C00000"/>
+                </a:solidFill>
+              </a:rPr>
+              <a:t>.col-lg</a:t>
+            </a:r>
+          </a:p>
+          <a:p>
+            <a:pPr>
+              <a:lnSpc>
+                <a:spcPct val="150000"/>
+              </a:lnSpc>
+              <a:buFont typeface="Courier New" panose="02070309020205020404" pitchFamily="49" charset="0"/>
+              <a:buChar char="o"/>
+            </a:pPr>
+            <a:r>
+              <a:rPr lang="fr-FR" sz="2000" dirty="0" smtClean="0"/>
+              <a:t> Très grand(1200px) : </a:t>
+            </a:r>
+            <a:r>
+              <a:rPr lang="fr-FR" sz="2000" dirty="0" smtClean="0">
+                <a:solidFill>
+                  <a:srgbClr val="C00000"/>
+                </a:solidFill>
+              </a:rPr>
+              <a:t>.col-xl</a:t>
+            </a:r>
+          </a:p>
+          <a:p>
+            <a:pPr>
+              <a:buFont typeface="Courier New" panose="02070309020205020404" pitchFamily="49" charset="0"/>
+              <a:buChar char="o"/>
+            </a:pPr>
+            <a:endParaRPr lang="fr-FR" dirty="0" smtClean="0">
+              <a:solidFill>
+                <a:schemeClr val="accent6">
+                  <a:lumMod val="50000"/>
+                </a:schemeClr>
+              </a:solidFill>
+            </a:endParaRPr>
+          </a:p>
+          <a:p>
+            <a:pPr>
+              <a:buFont typeface="Courier New" panose="02070309020205020404" pitchFamily="49" charset="0"/>
+              <a:buChar char="o"/>
+            </a:pPr>
+            <a:endParaRPr lang="fr-FR" dirty="0">
+              <a:solidFill>
+                <a:schemeClr val="accent6">
+                  <a:lumMod val="50000"/>
+                </a:schemeClr>
+              </a:solidFill>
+            </a:endParaRPr>
+          </a:p>
+          <a:p>
             <a:endParaRPr lang="fr-FR" dirty="0"/>
           </a:p>
         </p:txBody>
       </p:sp>
       <p:sp>
         <p:nvSpPr>
-          <p:cNvPr id="3" name="Espace réservé du contenu 2"/>
-          <p:cNvSpPr>
-            <a:spLocks noGrp="1"/>
-          </p:cNvSpPr>
-          <p:nvPr>
-            <p:ph idx="1"/>
-          </p:nvPr>
-        </p:nvSpPr>
-        <p:spPr/>
-        <p:txBody>
-          <a:bodyPr/>
-          <a:lstStyle/>
-          <a:p>
-            <a:r>
-              <a:rPr lang="fr-FR" smtClean="0"/>
-              <a:t>Responsive</a:t>
-            </a:r>
+          <p:cNvPr id="13" name="ZoneTexte 12"/>
+          <p:cNvSpPr txBox="1"/>
+          <p:nvPr/>
+        </p:nvSpPr>
+        <p:spPr>
+          <a:xfrm>
+            <a:off x="1147155" y="3150253"/>
+            <a:ext cx="5444837" cy="2185214"/>
+          </a:xfrm>
+          <a:prstGeom prst="rect">
+            <a:avLst/>
+          </a:prstGeom>
+          <a:noFill/>
+        </p:spPr>
+        <p:txBody>
+          <a:bodyPr wrap="square" rtlCol="0">
+            <a:spAutoFit/>
+          </a:bodyPr>
+          <a:lstStyle/>
+          <a:p>
+            <a:r>
+              <a:rPr lang="fr-FR" sz="2800" dirty="0">
+                <a:solidFill>
+                  <a:schemeClr val="accent4">
+                    <a:lumMod val="50000"/>
+                  </a:schemeClr>
+                </a:solidFill>
+              </a:rPr>
+              <a:t>3 classes principales :        </a:t>
+            </a:r>
+          </a:p>
+          <a:p>
+            <a:pPr>
+              <a:lnSpc>
+                <a:spcPct val="150000"/>
+              </a:lnSpc>
+              <a:buFont typeface="Courier New" panose="02070309020205020404" pitchFamily="49" charset="0"/>
+              <a:buChar char="o"/>
+            </a:pPr>
+            <a:r>
+              <a:rPr lang="fr-FR" sz="2000" dirty="0" smtClean="0"/>
+              <a:t> Conteneur </a:t>
+            </a:r>
+            <a:r>
+              <a:rPr lang="fr-FR" sz="2000" dirty="0"/>
+              <a:t>: </a:t>
+            </a:r>
+            <a:r>
+              <a:rPr lang="fr-FR" sz="2000" dirty="0">
+                <a:solidFill>
+                  <a:srgbClr val="C00000"/>
+                </a:solidFill>
+              </a:rPr>
+              <a:t>.container-</a:t>
+            </a:r>
+            <a:r>
+              <a:rPr lang="fr-FR" sz="2000" dirty="0" err="1">
+                <a:solidFill>
+                  <a:srgbClr val="C00000"/>
+                </a:solidFill>
+              </a:rPr>
+              <a:t>fluid</a:t>
+            </a:r>
+            <a:r>
+              <a:rPr lang="fr-FR" sz="2000" dirty="0">
+                <a:solidFill>
+                  <a:srgbClr val="C00000"/>
+                </a:solidFill>
+              </a:rPr>
+              <a:t> </a:t>
+            </a:r>
+            <a:r>
+              <a:rPr lang="fr-FR" sz="2000" dirty="0"/>
+              <a:t>et </a:t>
+            </a:r>
+            <a:r>
+              <a:rPr lang="fr-FR" sz="2000" dirty="0">
+                <a:solidFill>
+                  <a:srgbClr val="C00000"/>
+                </a:solidFill>
+              </a:rPr>
+              <a:t>.container</a:t>
+            </a:r>
+          </a:p>
+          <a:p>
+            <a:pPr>
+              <a:lnSpc>
+                <a:spcPct val="150000"/>
+              </a:lnSpc>
+              <a:buFont typeface="Courier New" panose="02070309020205020404" pitchFamily="49" charset="0"/>
+              <a:buChar char="o"/>
+            </a:pPr>
+            <a:r>
+              <a:rPr lang="fr-FR" sz="2000" dirty="0" smtClean="0"/>
+              <a:t> Rangée </a:t>
+            </a:r>
+            <a:r>
+              <a:rPr lang="fr-FR" sz="2000" dirty="0"/>
+              <a:t>: </a:t>
+            </a:r>
+            <a:r>
+              <a:rPr lang="fr-FR" sz="2000" dirty="0">
+                <a:solidFill>
+                  <a:srgbClr val="C00000"/>
+                </a:solidFill>
+              </a:rPr>
+              <a:t>.</a:t>
+            </a:r>
+            <a:r>
+              <a:rPr lang="fr-FR" sz="2000" dirty="0" err="1">
+                <a:solidFill>
+                  <a:srgbClr val="C00000"/>
+                </a:solidFill>
+              </a:rPr>
+              <a:t>row</a:t>
+            </a:r>
+            <a:endParaRPr lang="fr-FR" sz="2000" dirty="0">
+              <a:solidFill>
+                <a:srgbClr val="C00000"/>
+              </a:solidFill>
+            </a:endParaRPr>
+          </a:p>
+          <a:p>
+            <a:pPr>
+              <a:lnSpc>
+                <a:spcPct val="150000"/>
+              </a:lnSpc>
+              <a:buFont typeface="Courier New" panose="02070309020205020404" pitchFamily="49" charset="0"/>
+              <a:buChar char="o"/>
+            </a:pPr>
+            <a:r>
+              <a:rPr lang="fr-FR" sz="2000" dirty="0" smtClean="0"/>
+              <a:t> Colonne </a:t>
+            </a:r>
+            <a:r>
+              <a:rPr lang="fr-FR" sz="2000" dirty="0"/>
+              <a:t>: </a:t>
+            </a:r>
+            <a:r>
+              <a:rPr lang="fr-FR" sz="2000" dirty="0">
+                <a:solidFill>
+                  <a:srgbClr val="C00000"/>
+                </a:solidFill>
+              </a:rPr>
+              <a:t>.col</a:t>
+            </a:r>
+          </a:p>
+          <a:p>
             <a:endParaRPr lang="fr-FR" dirty="0"/>
           </a:p>
         </p:txBody>
@@ -3092,13 +4108,215 @@
     </p:spTree>
     <p:extLst>
       <p:ext uri="{BB962C8B-B14F-4D97-AF65-F5344CB8AC3E}">
-        <p14:creationId xmlns:p14="http://schemas.microsoft.com/office/powerpoint/2010/main" val="360716587"/>
+        <p14:creationId xmlns:p14="http://schemas.microsoft.com/office/powerpoint/2010/main" val="3449651177"/>
       </p:ext>
     </p:extLst>
   </p:cSld>
   <p:clrMapOvr>
     <a:masterClrMapping/>
   </p:clrMapOvr>
+  <p:timing>
+    <p:tnLst>
+      <p:par>
+        <p:cTn id="1" dur="indefinite" restart="never" nodeType="tmRoot">
+          <p:childTnLst>
+            <p:seq concurrent="1" nextAc="seek">
+              <p:cTn id="2" dur="indefinite" nodeType="mainSeq">
+                <p:childTnLst>
+                  <p:par>
+                    <p:cTn id="3" fill="hold">
+                      <p:stCondLst>
+                        <p:cond delay="indefinite"/>
+                      </p:stCondLst>
+                      <p:childTnLst>
+                        <p:par>
+                          <p:cTn id="4" fill="hold">
+                            <p:stCondLst>
+                              <p:cond delay="0"/>
+                            </p:stCondLst>
+                            <p:childTnLst>
+                              <p:par>
+                                <p:cTn id="5" presetID="10" presetClass="entr" presetSubtype="0" fill="hold" grpId="0" nodeType="clickEffect">
+                                  <p:stCondLst>
+                                    <p:cond delay="0"/>
+                                  </p:stCondLst>
+                                  <p:childTnLst>
+                                    <p:set>
+                                      <p:cBhvr>
+                                        <p:cTn id="6" dur="1" fill="hold">
+                                          <p:stCondLst>
+                                            <p:cond delay="0"/>
+                                          </p:stCondLst>
+                                        </p:cTn>
+                                        <p:tgtEl>
+                                          <p:spTgt spid="7">
+                                            <p:txEl>
+                                              <p:pRg st="0" end="0"/>
+                                            </p:txEl>
+                                          </p:spTgt>
+                                        </p:tgtEl>
+                                        <p:attrNameLst>
+                                          <p:attrName>style.visibility</p:attrName>
+                                        </p:attrNameLst>
+                                      </p:cBhvr>
+                                      <p:to>
+                                        <p:strVal val="visible"/>
+                                      </p:to>
+                                    </p:set>
+                                    <p:animEffect transition="in" filter="fade">
+                                      <p:cBhvr>
+                                        <p:cTn id="7" dur="500"/>
+                                        <p:tgtEl>
+                                          <p:spTgt spid="7">
+                                            <p:txEl>
+                                              <p:pRg st="0" end="0"/>
+                                            </p:txEl>
+                                          </p:spTgt>
+                                        </p:tgtEl>
+                                      </p:cBhvr>
+                                    </p:animEffect>
+                                  </p:childTnLst>
+                                </p:cTn>
+                              </p:par>
+                            </p:childTnLst>
+                          </p:cTn>
+                        </p:par>
+                      </p:childTnLst>
+                    </p:cTn>
+                  </p:par>
+                  <p:par>
+                    <p:cTn id="8" fill="hold">
+                      <p:stCondLst>
+                        <p:cond delay="indefinite"/>
+                      </p:stCondLst>
+                      <p:childTnLst>
+                        <p:par>
+                          <p:cTn id="9" fill="hold">
+                            <p:stCondLst>
+                              <p:cond delay="0"/>
+                            </p:stCondLst>
+                            <p:childTnLst>
+                              <p:par>
+                                <p:cTn id="10" presetID="10" presetClass="entr" presetSubtype="0" fill="hold" grpId="0" nodeType="clickEffect">
+                                  <p:stCondLst>
+                                    <p:cond delay="0"/>
+                                  </p:stCondLst>
+                                  <p:childTnLst>
+                                    <p:set>
+                                      <p:cBhvr>
+                                        <p:cTn id="11" dur="1" fill="hold">
+                                          <p:stCondLst>
+                                            <p:cond delay="0"/>
+                                          </p:stCondLst>
+                                        </p:cTn>
+                                        <p:tgtEl>
+                                          <p:spTgt spid="13"/>
+                                        </p:tgtEl>
+                                        <p:attrNameLst>
+                                          <p:attrName>style.visibility</p:attrName>
+                                        </p:attrNameLst>
+                                      </p:cBhvr>
+                                      <p:to>
+                                        <p:strVal val="visible"/>
+                                      </p:to>
+                                    </p:set>
+                                    <p:animEffect transition="in" filter="fade">
+                                      <p:cBhvr>
+                                        <p:cTn id="12" dur="500"/>
+                                        <p:tgtEl>
+                                          <p:spTgt spid="13"/>
+                                        </p:tgtEl>
+                                      </p:cBhvr>
+                                    </p:animEffect>
+                                  </p:childTnLst>
+                                </p:cTn>
+                              </p:par>
+                            </p:childTnLst>
+                          </p:cTn>
+                        </p:par>
+                      </p:childTnLst>
+                    </p:cTn>
+                  </p:par>
+                  <p:par>
+                    <p:cTn id="13" fill="hold">
+                      <p:stCondLst>
+                        <p:cond delay="indefinite"/>
+                      </p:stCondLst>
+                      <p:childTnLst>
+                        <p:par>
+                          <p:cTn id="14" fill="hold">
+                            <p:stCondLst>
+                              <p:cond delay="0"/>
+                            </p:stCondLst>
+                            <p:childTnLst>
+                              <p:par>
+                                <p:cTn id="15" presetID="10" presetClass="entr" presetSubtype="0" fill="hold" grpId="0" nodeType="clickEffect">
+                                  <p:stCondLst>
+                                    <p:cond delay="0"/>
+                                  </p:stCondLst>
+                                  <p:childTnLst>
+                                    <p:set>
+                                      <p:cBhvr>
+                                        <p:cTn id="16" dur="1" fill="hold">
+                                          <p:stCondLst>
+                                            <p:cond delay="0"/>
+                                          </p:stCondLst>
+                                        </p:cTn>
+                                        <p:tgtEl>
+                                          <p:spTgt spid="10"/>
+                                        </p:tgtEl>
+                                        <p:attrNameLst>
+                                          <p:attrName>style.visibility</p:attrName>
+                                        </p:attrNameLst>
+                                      </p:cBhvr>
+                                      <p:to>
+                                        <p:strVal val="visible"/>
+                                      </p:to>
+                                    </p:set>
+                                    <p:animEffect transition="in" filter="fade">
+                                      <p:cBhvr>
+                                        <p:cTn id="17" dur="500"/>
+                                        <p:tgtEl>
+                                          <p:spTgt spid="10"/>
+                                        </p:tgtEl>
+                                      </p:cBhvr>
+                                    </p:animEffect>
+                                  </p:childTnLst>
+                                </p:cTn>
+                              </p:par>
+                            </p:childTnLst>
+                          </p:cTn>
+                        </p:par>
+                      </p:childTnLst>
+                    </p:cTn>
+                  </p:par>
+                </p:childTnLst>
+              </p:cTn>
+              <p:prevCondLst>
+                <p:cond evt="onPrev" delay="0">
+                  <p:tgtEl>
+                    <p:sldTgt/>
+                  </p:tgtEl>
+                </p:cond>
+              </p:prevCondLst>
+              <p:nextCondLst>
+                <p:cond evt="onNext" delay="0">
+                  <p:tgtEl>
+                    <p:sldTgt/>
+                  </p:tgtEl>
+                </p:cond>
+              </p:nextCondLst>
+            </p:seq>
+          </p:childTnLst>
+        </p:cTn>
+      </p:par>
+    </p:tnLst>
+    <p:bldLst>
+      <p:bldP spid="7" grpId="0" build="p"/>
+      <p:bldP spid="10" grpId="0"/>
+      <p:bldP spid="13" grpId="0"/>
+    </p:bldLst>
+  </p:timing>
 </p:sld>
 </file>
 
@@ -3134,39 +4352,1281 @@
           <a:bodyPr/>
           <a:lstStyle/>
           <a:p>
-            <a:endParaRPr lang="fr-FR"/>
-          </a:p>
-        </p:txBody>
-      </p:sp>
-      <p:sp>
-        <p:nvSpPr>
-          <p:cNvPr id="3" name="Espace réservé du contenu 2"/>
-          <p:cNvSpPr>
-            <a:spLocks noGrp="1"/>
-          </p:cNvSpPr>
+            <a:pPr algn="ctr"/>
+            <a:r>
+              <a:rPr lang="fr-FR" dirty="0" smtClean="0">
+                <a:solidFill>
+                  <a:srgbClr val="002060"/>
+                </a:solidFill>
+              </a:rPr>
+              <a:t>Exemples </a:t>
+            </a:r>
+            <a:r>
+              <a:rPr lang="fr-FR" dirty="0" err="1" smtClean="0">
+                <a:solidFill>
+                  <a:srgbClr val="002060"/>
+                </a:solidFill>
+              </a:rPr>
+              <a:t>grid</a:t>
+            </a:r>
+            <a:endParaRPr lang="fr-FR" dirty="0">
+              <a:solidFill>
+                <a:srgbClr val="002060"/>
+              </a:solidFill>
+            </a:endParaRPr>
+          </a:p>
+        </p:txBody>
+      </p:sp>
+      <p:pic>
+        <p:nvPicPr>
+          <p:cNvPr id="4" name="Espace réservé du contenu 3"/>
+          <p:cNvPicPr>
+            <a:picLocks noGrp="1" noChangeAspect="1"/>
+          </p:cNvPicPr>
           <p:nvPr>
             <p:ph idx="1"/>
           </p:nvPr>
-        </p:nvSpPr>
-        <p:spPr/>
-        <p:txBody>
-          <a:bodyPr/>
-          <a:lstStyle/>
-          <a:p>
-            <a:endParaRPr lang="fr-FR"/>
-          </a:p>
-        </p:txBody>
-      </p:sp>
+        </p:nvPicPr>
+        <p:blipFill>
+          <a:blip r:embed="rId2"/>
+          <a:stretch>
+            <a:fillRect/>
+          </a:stretch>
+        </p:blipFill>
+        <p:spPr>
+          <a:xfrm>
+            <a:off x="1345277" y="1370055"/>
+            <a:ext cx="8782050" cy="2486025"/>
+          </a:xfrm>
+          <a:prstGeom prst="rect">
+            <a:avLst/>
+          </a:prstGeom>
+        </p:spPr>
+      </p:pic>
+      <p:pic>
+        <p:nvPicPr>
+          <p:cNvPr id="5" name="Image 4"/>
+          <p:cNvPicPr>
+            <a:picLocks noChangeAspect="1"/>
+          </p:cNvPicPr>
+          <p:nvPr/>
+        </p:nvPicPr>
+        <p:blipFill>
+          <a:blip r:embed="rId3"/>
+          <a:stretch>
+            <a:fillRect/>
+          </a:stretch>
+        </p:blipFill>
+        <p:spPr>
+          <a:xfrm>
+            <a:off x="1326227" y="4060075"/>
+            <a:ext cx="8801100" cy="2362200"/>
+          </a:xfrm>
+          <a:prstGeom prst="rect">
+            <a:avLst/>
+          </a:prstGeom>
+        </p:spPr>
+      </p:pic>
     </p:spTree>
     <p:extLst>
       <p:ext uri="{BB962C8B-B14F-4D97-AF65-F5344CB8AC3E}">
-        <p14:creationId xmlns:p14="http://schemas.microsoft.com/office/powerpoint/2010/main" val="3115796897"/>
+        <p14:creationId xmlns:p14="http://schemas.microsoft.com/office/powerpoint/2010/main" val="2923815536"/>
       </p:ext>
     </p:extLst>
   </p:cSld>
   <p:clrMapOvr>
     <a:masterClrMapping/>
   </p:clrMapOvr>
+  <p:timing>
+    <p:tnLst>
+      <p:par>
+        <p:cTn id="1" dur="indefinite" restart="never" nodeType="tmRoot">
+          <p:childTnLst>
+            <p:seq concurrent="1" nextAc="seek">
+              <p:cTn id="2" dur="indefinite" nodeType="mainSeq">
+                <p:childTnLst>
+                  <p:par>
+                    <p:cTn id="3" fill="hold">
+                      <p:stCondLst>
+                        <p:cond delay="indefinite"/>
+                      </p:stCondLst>
+                      <p:childTnLst>
+                        <p:par>
+                          <p:cTn id="4" fill="hold">
+                            <p:stCondLst>
+                              <p:cond delay="0"/>
+                            </p:stCondLst>
+                            <p:childTnLst>
+                              <p:par>
+                                <p:cTn id="5" presetID="1" presetClass="entr" presetSubtype="0" fill="hold" nodeType="clickEffect">
+                                  <p:stCondLst>
+                                    <p:cond delay="0"/>
+                                  </p:stCondLst>
+                                  <p:childTnLst>
+                                    <p:set>
+                                      <p:cBhvr>
+                                        <p:cTn id="6" dur="1" fill="hold">
+                                          <p:stCondLst>
+                                            <p:cond delay="0"/>
+                                          </p:stCondLst>
+                                        </p:cTn>
+                                        <p:tgtEl>
+                                          <p:spTgt spid="4"/>
+                                        </p:tgtEl>
+                                        <p:attrNameLst>
+                                          <p:attrName>style.visibility</p:attrName>
+                                        </p:attrNameLst>
+                                      </p:cBhvr>
+                                      <p:to>
+                                        <p:strVal val="visible"/>
+                                      </p:to>
+                                    </p:set>
+                                  </p:childTnLst>
+                                </p:cTn>
+                              </p:par>
+                              <p:par>
+                                <p:cTn id="7" presetID="1" presetClass="entr" presetSubtype="0" fill="hold" nodeType="withEffect">
+                                  <p:stCondLst>
+                                    <p:cond delay="0"/>
+                                  </p:stCondLst>
+                                  <p:childTnLst>
+                                    <p:set>
+                                      <p:cBhvr>
+                                        <p:cTn id="8" dur="1" fill="hold">
+                                          <p:stCondLst>
+                                            <p:cond delay="0"/>
+                                          </p:stCondLst>
+                                        </p:cTn>
+                                        <p:tgtEl>
+                                          <p:spTgt spid="5"/>
+                                        </p:tgtEl>
+                                        <p:attrNameLst>
+                                          <p:attrName>style.visibility</p:attrName>
+                                        </p:attrNameLst>
+                                      </p:cBhvr>
+                                      <p:to>
+                                        <p:strVal val="visible"/>
+                                      </p:to>
+                                    </p:set>
+                                  </p:childTnLst>
+                                </p:cTn>
+                              </p:par>
+                            </p:childTnLst>
+                          </p:cTn>
+                        </p:par>
+                      </p:childTnLst>
+                    </p:cTn>
+                  </p:par>
+                </p:childTnLst>
+              </p:cTn>
+              <p:prevCondLst>
+                <p:cond evt="onPrev" delay="0">
+                  <p:tgtEl>
+                    <p:sldTgt/>
+                  </p:tgtEl>
+                </p:cond>
+              </p:prevCondLst>
+              <p:nextCondLst>
+                <p:cond evt="onNext" delay="0">
+                  <p:tgtEl>
+                    <p:sldTgt/>
+                  </p:tgtEl>
+                </p:cond>
+              </p:nextCondLst>
+            </p:seq>
+          </p:childTnLst>
+        </p:cTn>
+      </p:par>
+    </p:tnLst>
+  </p:timing>
+</p:sld>
+</file>
+
+<file path=ppt/slides/slide4.xml><?xml version="1.0" encoding="utf-8"?>
+<p:sld xmlns:a="http://schemas.openxmlformats.org/drawingml/2006/main" xmlns:r="http://schemas.openxmlformats.org/officeDocument/2006/relationships" xmlns:p="http://schemas.openxmlformats.org/presentationml/2006/main">
+  <p:cSld>
+    <p:spTree>
+      <p:nvGrpSpPr>
+        <p:cNvPr id="1" name=""/>
+        <p:cNvGrpSpPr/>
+        <p:nvPr/>
+      </p:nvGrpSpPr>
+      <p:grpSpPr>
+        <a:xfrm>
+          <a:off x="0" y="0"/>
+          <a:ext cx="0" cy="0"/>
+          <a:chOff x="0" y="0"/>
+          <a:chExt cx="0" cy="0"/>
+        </a:xfrm>
+      </p:grpSpPr>
+      <p:sp>
+        <p:nvSpPr>
+          <p:cNvPr id="2" name="Titre 1"/>
+          <p:cNvSpPr>
+            <a:spLocks noGrp="1"/>
+          </p:cNvSpPr>
+          <p:nvPr>
+            <p:ph type="title"/>
+          </p:nvPr>
+        </p:nvSpPr>
+        <p:spPr/>
+        <p:txBody>
+          <a:bodyPr/>
+          <a:lstStyle/>
+          <a:p>
+            <a:pPr algn="ctr"/>
+            <a:r>
+              <a:rPr lang="fr-FR" dirty="0" smtClean="0">
+                <a:solidFill>
+                  <a:srgbClr val="002060"/>
+                </a:solidFill>
+              </a:rPr>
+              <a:t>Exemples </a:t>
+            </a:r>
+            <a:r>
+              <a:rPr lang="fr-FR" dirty="0" err="1" smtClean="0">
+                <a:solidFill>
+                  <a:srgbClr val="002060"/>
+                </a:solidFill>
+              </a:rPr>
+              <a:t>grid</a:t>
+            </a:r>
+            <a:endParaRPr lang="fr-FR" dirty="0">
+              <a:solidFill>
+                <a:srgbClr val="002060"/>
+              </a:solidFill>
+            </a:endParaRPr>
+          </a:p>
+        </p:txBody>
+      </p:sp>
+      <p:pic>
+        <p:nvPicPr>
+          <p:cNvPr id="6" name="Espace réservé du contenu 5"/>
+          <p:cNvPicPr>
+            <a:picLocks noGrp="1" noChangeAspect="1"/>
+          </p:cNvPicPr>
+          <p:nvPr>
+            <p:ph idx="1"/>
+          </p:nvPr>
+        </p:nvPicPr>
+        <p:blipFill>
+          <a:blip r:embed="rId2"/>
+          <a:stretch>
+            <a:fillRect/>
+          </a:stretch>
+        </p:blipFill>
+        <p:spPr>
+          <a:xfrm>
+            <a:off x="423515" y="1748877"/>
+            <a:ext cx="10129709" cy="4178097"/>
+          </a:xfrm>
+          <a:prstGeom prst="rect">
+            <a:avLst/>
+          </a:prstGeom>
+        </p:spPr>
+      </p:pic>
+      <p:pic>
+        <p:nvPicPr>
+          <p:cNvPr id="7" name="Image 6"/>
+          <p:cNvPicPr>
+            <a:picLocks noChangeAspect="1"/>
+          </p:cNvPicPr>
+          <p:nvPr/>
+        </p:nvPicPr>
+        <p:blipFill>
+          <a:blip r:embed="rId3"/>
+          <a:stretch>
+            <a:fillRect/>
+          </a:stretch>
+        </p:blipFill>
+        <p:spPr>
+          <a:xfrm>
+            <a:off x="838200" y="2061556"/>
+            <a:ext cx="10126397" cy="3283527"/>
+          </a:xfrm>
+          <a:prstGeom prst="rect">
+            <a:avLst/>
+          </a:prstGeom>
+        </p:spPr>
+      </p:pic>
+      <p:pic>
+        <p:nvPicPr>
+          <p:cNvPr id="8" name="Image 7"/>
+          <p:cNvPicPr>
+            <a:picLocks noChangeAspect="1"/>
+          </p:cNvPicPr>
+          <p:nvPr/>
+        </p:nvPicPr>
+        <p:blipFill>
+          <a:blip r:embed="rId4"/>
+          <a:stretch>
+            <a:fillRect/>
+          </a:stretch>
+        </p:blipFill>
+        <p:spPr>
+          <a:xfrm>
+            <a:off x="698685" y="1829492"/>
+            <a:ext cx="9916778" cy="4097482"/>
+          </a:xfrm>
+          <a:prstGeom prst="rect">
+            <a:avLst/>
+          </a:prstGeom>
+        </p:spPr>
+      </p:pic>
+    </p:spTree>
+    <p:extLst>
+      <p:ext uri="{BB962C8B-B14F-4D97-AF65-F5344CB8AC3E}">
+        <p14:creationId xmlns:p14="http://schemas.microsoft.com/office/powerpoint/2010/main" val="412979016"/>
+      </p:ext>
+    </p:extLst>
+  </p:cSld>
+  <p:clrMapOvr>
+    <a:masterClrMapping/>
+  </p:clrMapOvr>
+  <p:timing>
+    <p:tnLst>
+      <p:par>
+        <p:cTn id="1" dur="indefinite" restart="never" nodeType="tmRoot">
+          <p:childTnLst>
+            <p:seq concurrent="1" nextAc="seek">
+              <p:cTn id="2" dur="indefinite" nodeType="mainSeq">
+                <p:childTnLst>
+                  <p:par>
+                    <p:cTn id="3" fill="hold">
+                      <p:stCondLst>
+                        <p:cond delay="indefinite"/>
+                        <p:cond evt="onBegin" delay="0">
+                          <p:tn val="2"/>
+                        </p:cond>
+                      </p:stCondLst>
+                      <p:childTnLst>
+                        <p:par>
+                          <p:cTn id="4" fill="hold">
+                            <p:stCondLst>
+                              <p:cond delay="0"/>
+                            </p:stCondLst>
+                            <p:childTnLst>
+                              <p:par>
+                                <p:cTn id="5" presetID="10" presetClass="entr" presetSubtype="0" fill="hold" nodeType="withEffect">
+                                  <p:stCondLst>
+                                    <p:cond delay="0"/>
+                                  </p:stCondLst>
+                                  <p:childTnLst>
+                                    <p:set>
+                                      <p:cBhvr>
+                                        <p:cTn id="6" dur="1" fill="hold">
+                                          <p:stCondLst>
+                                            <p:cond delay="0"/>
+                                          </p:stCondLst>
+                                        </p:cTn>
+                                        <p:tgtEl>
+                                          <p:spTgt spid="6"/>
+                                        </p:tgtEl>
+                                        <p:attrNameLst>
+                                          <p:attrName>style.visibility</p:attrName>
+                                        </p:attrNameLst>
+                                      </p:cBhvr>
+                                      <p:to>
+                                        <p:strVal val="visible"/>
+                                      </p:to>
+                                    </p:set>
+                                    <p:animEffect transition="in" filter="fade">
+                                      <p:cBhvr>
+                                        <p:cTn id="7" dur="500"/>
+                                        <p:tgtEl>
+                                          <p:spTgt spid="6"/>
+                                        </p:tgtEl>
+                                      </p:cBhvr>
+                                    </p:animEffect>
+                                  </p:childTnLst>
+                                </p:cTn>
+                              </p:par>
+                            </p:childTnLst>
+                          </p:cTn>
+                        </p:par>
+                      </p:childTnLst>
+                    </p:cTn>
+                  </p:par>
+                  <p:par>
+                    <p:cTn id="8" fill="hold">
+                      <p:stCondLst>
+                        <p:cond delay="indefinite"/>
+                      </p:stCondLst>
+                      <p:childTnLst>
+                        <p:par>
+                          <p:cTn id="9" fill="hold">
+                            <p:stCondLst>
+                              <p:cond delay="0"/>
+                            </p:stCondLst>
+                            <p:childTnLst>
+                              <p:par>
+                                <p:cTn id="10" presetID="10" presetClass="entr" presetSubtype="0" fill="hold" nodeType="clickEffect">
+                                  <p:stCondLst>
+                                    <p:cond delay="0"/>
+                                  </p:stCondLst>
+                                  <p:childTnLst>
+                                    <p:set>
+                                      <p:cBhvr>
+                                        <p:cTn id="11" dur="1" fill="hold">
+                                          <p:stCondLst>
+                                            <p:cond delay="0"/>
+                                          </p:stCondLst>
+                                        </p:cTn>
+                                        <p:tgtEl>
+                                          <p:spTgt spid="7"/>
+                                        </p:tgtEl>
+                                        <p:attrNameLst>
+                                          <p:attrName>style.visibility</p:attrName>
+                                        </p:attrNameLst>
+                                      </p:cBhvr>
+                                      <p:to>
+                                        <p:strVal val="visible"/>
+                                      </p:to>
+                                    </p:set>
+                                    <p:animEffect transition="in" filter="fade">
+                                      <p:cBhvr>
+                                        <p:cTn id="12" dur="500"/>
+                                        <p:tgtEl>
+                                          <p:spTgt spid="7"/>
+                                        </p:tgtEl>
+                                      </p:cBhvr>
+                                    </p:animEffect>
+                                  </p:childTnLst>
+                                </p:cTn>
+                              </p:par>
+                              <p:par>
+                                <p:cTn id="13" presetID="1" presetClass="exit" presetSubtype="0" fill="hold" nodeType="withEffect">
+                                  <p:stCondLst>
+                                    <p:cond delay="0"/>
+                                  </p:stCondLst>
+                                  <p:childTnLst>
+                                    <p:set>
+                                      <p:cBhvr>
+                                        <p:cTn id="14" dur="1" fill="hold">
+                                          <p:stCondLst>
+                                            <p:cond delay="0"/>
+                                          </p:stCondLst>
+                                        </p:cTn>
+                                        <p:tgtEl>
+                                          <p:spTgt spid="6"/>
+                                        </p:tgtEl>
+                                        <p:attrNameLst>
+                                          <p:attrName>style.visibility</p:attrName>
+                                        </p:attrNameLst>
+                                      </p:cBhvr>
+                                      <p:to>
+                                        <p:strVal val="hidden"/>
+                                      </p:to>
+                                    </p:set>
+                                  </p:childTnLst>
+                                </p:cTn>
+                              </p:par>
+                            </p:childTnLst>
+                          </p:cTn>
+                        </p:par>
+                      </p:childTnLst>
+                    </p:cTn>
+                  </p:par>
+                  <p:par>
+                    <p:cTn id="15" fill="hold">
+                      <p:stCondLst>
+                        <p:cond delay="indefinite"/>
+                      </p:stCondLst>
+                      <p:childTnLst>
+                        <p:par>
+                          <p:cTn id="16" fill="hold">
+                            <p:stCondLst>
+                              <p:cond delay="0"/>
+                            </p:stCondLst>
+                            <p:childTnLst>
+                              <p:par>
+                                <p:cTn id="17" presetID="10" presetClass="entr" presetSubtype="0" fill="hold" nodeType="clickEffect">
+                                  <p:stCondLst>
+                                    <p:cond delay="0"/>
+                                  </p:stCondLst>
+                                  <p:childTnLst>
+                                    <p:set>
+                                      <p:cBhvr>
+                                        <p:cTn id="18" dur="1" fill="hold">
+                                          <p:stCondLst>
+                                            <p:cond delay="0"/>
+                                          </p:stCondLst>
+                                        </p:cTn>
+                                        <p:tgtEl>
+                                          <p:spTgt spid="8"/>
+                                        </p:tgtEl>
+                                        <p:attrNameLst>
+                                          <p:attrName>style.visibility</p:attrName>
+                                        </p:attrNameLst>
+                                      </p:cBhvr>
+                                      <p:to>
+                                        <p:strVal val="visible"/>
+                                      </p:to>
+                                    </p:set>
+                                    <p:animEffect transition="in" filter="fade">
+                                      <p:cBhvr>
+                                        <p:cTn id="19" dur="500"/>
+                                        <p:tgtEl>
+                                          <p:spTgt spid="8"/>
+                                        </p:tgtEl>
+                                      </p:cBhvr>
+                                    </p:animEffect>
+                                  </p:childTnLst>
+                                </p:cTn>
+                              </p:par>
+                            </p:childTnLst>
+                          </p:cTn>
+                        </p:par>
+                      </p:childTnLst>
+                    </p:cTn>
+                  </p:par>
+                </p:childTnLst>
+              </p:cTn>
+              <p:prevCondLst>
+                <p:cond evt="onPrev" delay="0">
+                  <p:tgtEl>
+                    <p:sldTgt/>
+                  </p:tgtEl>
+                </p:cond>
+              </p:prevCondLst>
+              <p:nextCondLst>
+                <p:cond evt="onNext" delay="0">
+                  <p:tgtEl>
+                    <p:sldTgt/>
+                  </p:tgtEl>
+                </p:cond>
+              </p:nextCondLst>
+            </p:seq>
+          </p:childTnLst>
+        </p:cTn>
+      </p:par>
+    </p:tnLst>
+  </p:timing>
+</p:sld>
+</file>
+
+<file path=ppt/slides/slide5.xml><?xml version="1.0" encoding="utf-8"?>
+<p:sld xmlns:a="http://schemas.openxmlformats.org/drawingml/2006/main" xmlns:r="http://schemas.openxmlformats.org/officeDocument/2006/relationships" xmlns:p="http://schemas.openxmlformats.org/presentationml/2006/main">
+  <p:cSld>
+    <p:spTree>
+      <p:nvGrpSpPr>
+        <p:cNvPr id="1" name=""/>
+        <p:cNvGrpSpPr/>
+        <p:nvPr/>
+      </p:nvGrpSpPr>
+      <p:grpSpPr>
+        <a:xfrm>
+          <a:off x="0" y="0"/>
+          <a:ext cx="0" cy="0"/>
+          <a:chOff x="0" y="0"/>
+          <a:chExt cx="0" cy="0"/>
+        </a:xfrm>
+      </p:grpSpPr>
+      <p:sp>
+        <p:nvSpPr>
+          <p:cNvPr id="2" name="Titre 1"/>
+          <p:cNvSpPr>
+            <a:spLocks noGrp="1"/>
+          </p:cNvSpPr>
+          <p:nvPr>
+            <p:ph type="title"/>
+          </p:nvPr>
+        </p:nvSpPr>
+        <p:spPr/>
+        <p:txBody>
+          <a:bodyPr/>
+          <a:lstStyle/>
+          <a:p>
+            <a:pPr algn="ctr"/>
+            <a:r>
+              <a:rPr lang="fr-FR" dirty="0" smtClean="0">
+                <a:solidFill>
+                  <a:schemeClr val="accent5">
+                    <a:lumMod val="50000"/>
+                  </a:schemeClr>
+                </a:solidFill>
+              </a:rPr>
+              <a:t>Exemple </a:t>
+            </a:r>
+            <a:r>
+              <a:rPr lang="fr-FR" dirty="0" err="1" smtClean="0">
+                <a:solidFill>
+                  <a:schemeClr val="accent5">
+                    <a:lumMod val="50000"/>
+                  </a:schemeClr>
+                </a:solidFill>
+              </a:rPr>
+              <a:t>grid</a:t>
+            </a:r>
+            <a:r>
+              <a:rPr lang="fr-FR" dirty="0" smtClean="0">
+                <a:solidFill>
+                  <a:schemeClr val="accent5">
+                    <a:lumMod val="50000"/>
+                  </a:schemeClr>
+                </a:solidFill>
+              </a:rPr>
+              <a:t> : Alignement</a:t>
+            </a:r>
+            <a:endParaRPr lang="fr-FR" dirty="0">
+              <a:solidFill>
+                <a:schemeClr val="accent5">
+                  <a:lumMod val="50000"/>
+                </a:schemeClr>
+              </a:solidFill>
+            </a:endParaRPr>
+          </a:p>
+        </p:txBody>
+      </p:sp>
+      <p:pic>
+        <p:nvPicPr>
+          <p:cNvPr id="6" name="Image 5"/>
+          <p:cNvPicPr>
+            <a:picLocks noChangeAspect="1"/>
+          </p:cNvPicPr>
+          <p:nvPr/>
+        </p:nvPicPr>
+        <p:blipFill>
+          <a:blip r:embed="rId2"/>
+          <a:stretch>
+            <a:fillRect/>
+          </a:stretch>
+        </p:blipFill>
+        <p:spPr>
+          <a:xfrm>
+            <a:off x="2294573" y="1630853"/>
+            <a:ext cx="7419975" cy="2914650"/>
+          </a:xfrm>
+          <a:prstGeom prst="rect">
+            <a:avLst/>
+          </a:prstGeom>
+        </p:spPr>
+      </p:pic>
+      <p:pic>
+        <p:nvPicPr>
+          <p:cNvPr id="7" name="Image 6"/>
+          <p:cNvPicPr>
+            <a:picLocks noChangeAspect="1"/>
+          </p:cNvPicPr>
+          <p:nvPr/>
+        </p:nvPicPr>
+        <p:blipFill>
+          <a:blip r:embed="rId3"/>
+          <a:stretch>
+            <a:fillRect/>
+          </a:stretch>
+        </p:blipFill>
+        <p:spPr>
+          <a:xfrm>
+            <a:off x="1894522" y="4652270"/>
+            <a:ext cx="8220075" cy="1743075"/>
+          </a:xfrm>
+          <a:prstGeom prst="rect">
+            <a:avLst/>
+          </a:prstGeom>
+        </p:spPr>
+      </p:pic>
+    </p:spTree>
+    <p:extLst>
+      <p:ext uri="{BB962C8B-B14F-4D97-AF65-F5344CB8AC3E}">
+        <p14:creationId xmlns:p14="http://schemas.microsoft.com/office/powerpoint/2010/main" val="3594370232"/>
+      </p:ext>
+    </p:extLst>
+  </p:cSld>
+  <p:clrMapOvr>
+    <a:masterClrMapping/>
+  </p:clrMapOvr>
+  <p:timing>
+    <p:tnLst>
+      <p:par>
+        <p:cTn id="1" dur="indefinite" restart="never" nodeType="tmRoot">
+          <p:childTnLst>
+            <p:seq concurrent="1" nextAc="seek">
+              <p:cTn id="2" dur="indefinite" nodeType="mainSeq">
+                <p:childTnLst>
+                  <p:par>
+                    <p:cTn id="3" fill="hold">
+                      <p:stCondLst>
+                        <p:cond delay="indefinite"/>
+                      </p:stCondLst>
+                      <p:childTnLst>
+                        <p:par>
+                          <p:cTn id="4" fill="hold">
+                            <p:stCondLst>
+                              <p:cond delay="0"/>
+                            </p:stCondLst>
+                            <p:childTnLst>
+                              <p:par>
+                                <p:cTn id="5" presetID="1" presetClass="entr" presetSubtype="0" fill="hold" nodeType="clickEffect">
+                                  <p:stCondLst>
+                                    <p:cond delay="0"/>
+                                  </p:stCondLst>
+                                  <p:childTnLst>
+                                    <p:set>
+                                      <p:cBhvr>
+                                        <p:cTn id="6" dur="1" fill="hold">
+                                          <p:stCondLst>
+                                            <p:cond delay="0"/>
+                                          </p:stCondLst>
+                                        </p:cTn>
+                                        <p:tgtEl>
+                                          <p:spTgt spid="7"/>
+                                        </p:tgtEl>
+                                        <p:attrNameLst>
+                                          <p:attrName>style.visibility</p:attrName>
+                                        </p:attrNameLst>
+                                      </p:cBhvr>
+                                      <p:to>
+                                        <p:strVal val="visible"/>
+                                      </p:to>
+                                    </p:set>
+                                  </p:childTnLst>
+                                </p:cTn>
+                              </p:par>
+                            </p:childTnLst>
+                          </p:cTn>
+                        </p:par>
+                      </p:childTnLst>
+                    </p:cTn>
+                  </p:par>
+                </p:childTnLst>
+              </p:cTn>
+              <p:prevCondLst>
+                <p:cond evt="onPrev" delay="0">
+                  <p:tgtEl>
+                    <p:sldTgt/>
+                  </p:tgtEl>
+                </p:cond>
+              </p:prevCondLst>
+              <p:nextCondLst>
+                <p:cond evt="onNext" delay="0">
+                  <p:tgtEl>
+                    <p:sldTgt/>
+                  </p:tgtEl>
+                </p:cond>
+              </p:nextCondLst>
+            </p:seq>
+          </p:childTnLst>
+        </p:cTn>
+      </p:par>
+    </p:tnLst>
+  </p:timing>
+</p:sld>
+</file>
+
+<file path=ppt/slides/slide6.xml><?xml version="1.0" encoding="utf-8"?>
+<p:sld xmlns:a="http://schemas.openxmlformats.org/drawingml/2006/main" xmlns:r="http://schemas.openxmlformats.org/officeDocument/2006/relationships" xmlns:p="http://schemas.openxmlformats.org/presentationml/2006/main">
+  <p:cSld>
+    <p:spTree>
+      <p:nvGrpSpPr>
+        <p:cNvPr id="1" name=""/>
+        <p:cNvGrpSpPr/>
+        <p:nvPr/>
+      </p:nvGrpSpPr>
+      <p:grpSpPr>
+        <a:xfrm>
+          <a:off x="0" y="0"/>
+          <a:ext cx="0" cy="0"/>
+          <a:chOff x="0" y="0"/>
+          <a:chExt cx="0" cy="0"/>
+        </a:xfrm>
+      </p:grpSpPr>
+      <p:sp>
+        <p:nvSpPr>
+          <p:cNvPr id="2" name="Titre 1"/>
+          <p:cNvSpPr>
+            <a:spLocks noGrp="1"/>
+          </p:cNvSpPr>
+          <p:nvPr>
+            <p:ph type="title"/>
+          </p:nvPr>
+        </p:nvSpPr>
+        <p:spPr/>
+        <p:txBody>
+          <a:bodyPr/>
+          <a:lstStyle/>
+          <a:p>
+            <a:pPr algn="ctr"/>
+            <a:r>
+              <a:rPr lang="fr-FR" dirty="0" smtClean="0">
+                <a:solidFill>
+                  <a:schemeClr val="accent5">
+                    <a:lumMod val="50000"/>
+                  </a:schemeClr>
+                </a:solidFill>
+              </a:rPr>
+              <a:t>Exemple </a:t>
+            </a:r>
+            <a:r>
+              <a:rPr lang="fr-FR" dirty="0" err="1" smtClean="0">
+                <a:solidFill>
+                  <a:schemeClr val="accent5">
+                    <a:lumMod val="50000"/>
+                  </a:schemeClr>
+                </a:solidFill>
+              </a:rPr>
+              <a:t>grid</a:t>
+            </a:r>
+            <a:r>
+              <a:rPr lang="fr-FR" dirty="0" smtClean="0">
+                <a:solidFill>
+                  <a:schemeClr val="accent5">
+                    <a:lumMod val="50000"/>
+                  </a:schemeClr>
+                </a:solidFill>
+              </a:rPr>
+              <a:t> : imbrication</a:t>
+            </a:r>
+            <a:endParaRPr lang="fr-FR" dirty="0">
+              <a:solidFill>
+                <a:schemeClr val="accent5">
+                  <a:lumMod val="50000"/>
+                </a:schemeClr>
+              </a:solidFill>
+            </a:endParaRPr>
+          </a:p>
+        </p:txBody>
+      </p:sp>
+      <p:pic>
+        <p:nvPicPr>
+          <p:cNvPr id="4" name="Espace réservé du contenu 3"/>
+          <p:cNvPicPr>
+            <a:picLocks noGrp="1" noChangeAspect="1"/>
+          </p:cNvPicPr>
+          <p:nvPr>
+            <p:ph idx="1"/>
+          </p:nvPr>
+        </p:nvPicPr>
+        <p:blipFill>
+          <a:blip r:embed="rId2"/>
+          <a:stretch>
+            <a:fillRect/>
+          </a:stretch>
+        </p:blipFill>
+        <p:spPr>
+          <a:xfrm>
+            <a:off x="2291137" y="1459865"/>
+            <a:ext cx="7609726" cy="5258351"/>
+          </a:xfrm>
+          <a:prstGeom prst="rect">
+            <a:avLst/>
+          </a:prstGeom>
+        </p:spPr>
+      </p:pic>
+    </p:spTree>
+    <p:extLst>
+      <p:ext uri="{BB962C8B-B14F-4D97-AF65-F5344CB8AC3E}">
+        <p14:creationId xmlns:p14="http://schemas.microsoft.com/office/powerpoint/2010/main" val="2773467145"/>
+      </p:ext>
+    </p:extLst>
+  </p:cSld>
+  <p:clrMapOvr>
+    <a:masterClrMapping/>
+  </p:clrMapOvr>
+  <p:timing>
+    <p:tnLst>
+      <p:par>
+        <p:cTn id="1" dur="indefinite" restart="never" nodeType="tmRoot"/>
+      </p:par>
+    </p:tnLst>
+  </p:timing>
+</p:sld>
+</file>
+
+<file path=ppt/slides/slide7.xml><?xml version="1.0" encoding="utf-8"?>
+<p:sld xmlns:a="http://schemas.openxmlformats.org/drawingml/2006/main" xmlns:r="http://schemas.openxmlformats.org/officeDocument/2006/relationships" xmlns:p="http://schemas.openxmlformats.org/presentationml/2006/main">
+  <p:cSld>
+    <p:spTree>
+      <p:nvGrpSpPr>
+        <p:cNvPr id="1" name=""/>
+        <p:cNvGrpSpPr/>
+        <p:nvPr/>
+      </p:nvGrpSpPr>
+      <p:grpSpPr>
+        <a:xfrm>
+          <a:off x="0" y="0"/>
+          <a:ext cx="0" cy="0"/>
+          <a:chOff x="0" y="0"/>
+          <a:chExt cx="0" cy="0"/>
+        </a:xfrm>
+      </p:grpSpPr>
+      <p:sp>
+        <p:nvSpPr>
+          <p:cNvPr id="2" name="Titre 1"/>
+          <p:cNvSpPr>
+            <a:spLocks noGrp="1"/>
+          </p:cNvSpPr>
+          <p:nvPr>
+            <p:ph type="title"/>
+          </p:nvPr>
+        </p:nvSpPr>
+        <p:spPr/>
+        <p:txBody>
+          <a:bodyPr/>
+          <a:lstStyle/>
+          <a:p>
+            <a:pPr algn="ctr"/>
+            <a:r>
+              <a:rPr lang="fr-FR" dirty="0" smtClean="0">
+                <a:solidFill>
+                  <a:schemeClr val="accent5">
+                    <a:lumMod val="50000"/>
+                  </a:schemeClr>
+                </a:solidFill>
+              </a:rPr>
+              <a:t>Exemple : barre de navigation</a:t>
+            </a:r>
+            <a:endParaRPr lang="fr-FR" dirty="0">
+              <a:solidFill>
+                <a:schemeClr val="accent5">
+                  <a:lumMod val="50000"/>
+                </a:schemeClr>
+              </a:solidFill>
+            </a:endParaRPr>
+          </a:p>
+        </p:txBody>
+      </p:sp>
+      <p:pic>
+        <p:nvPicPr>
+          <p:cNvPr id="6" name="Espace réservé du contenu 5"/>
+          <p:cNvPicPr>
+            <a:picLocks noGrp="1" noChangeAspect="1"/>
+          </p:cNvPicPr>
+          <p:nvPr>
+            <p:ph idx="1"/>
+          </p:nvPr>
+        </p:nvPicPr>
+        <p:blipFill>
+          <a:blip r:embed="rId2"/>
+          <a:stretch>
+            <a:fillRect/>
+          </a:stretch>
+        </p:blipFill>
+        <p:spPr>
+          <a:xfrm>
+            <a:off x="40119" y="2344784"/>
+            <a:ext cx="6702018" cy="3491239"/>
+          </a:xfrm>
+          <a:prstGeom prst="rect">
+            <a:avLst/>
+          </a:prstGeom>
+        </p:spPr>
+      </p:pic>
+      <p:pic>
+        <p:nvPicPr>
+          <p:cNvPr id="7" name="Image 6"/>
+          <p:cNvPicPr>
+            <a:picLocks noChangeAspect="1"/>
+          </p:cNvPicPr>
+          <p:nvPr/>
+        </p:nvPicPr>
+        <p:blipFill>
+          <a:blip r:embed="rId3"/>
+          <a:stretch>
+            <a:fillRect/>
+          </a:stretch>
+        </p:blipFill>
+        <p:spPr>
+          <a:xfrm>
+            <a:off x="6742137" y="2605297"/>
+            <a:ext cx="5031579" cy="2970212"/>
+          </a:xfrm>
+          <a:prstGeom prst="rect">
+            <a:avLst/>
+          </a:prstGeom>
+        </p:spPr>
+      </p:pic>
+    </p:spTree>
+    <p:extLst>
+      <p:ext uri="{BB962C8B-B14F-4D97-AF65-F5344CB8AC3E}">
+        <p14:creationId xmlns:p14="http://schemas.microsoft.com/office/powerpoint/2010/main" val="1375166036"/>
+      </p:ext>
+    </p:extLst>
+  </p:cSld>
+  <p:clrMapOvr>
+    <a:masterClrMapping/>
+  </p:clrMapOvr>
+  <p:timing>
+    <p:tnLst>
+      <p:par>
+        <p:cTn id="1" dur="indefinite" restart="never" nodeType="tmRoot"/>
+      </p:par>
+    </p:tnLst>
+  </p:timing>
+</p:sld>
+</file>
+
+<file path=ppt/slides/slide8.xml><?xml version="1.0" encoding="utf-8"?>
+<p:sld xmlns:a="http://schemas.openxmlformats.org/drawingml/2006/main" xmlns:r="http://schemas.openxmlformats.org/officeDocument/2006/relationships" xmlns:p="http://schemas.openxmlformats.org/presentationml/2006/main">
+  <p:cSld>
+    <p:spTree>
+      <p:nvGrpSpPr>
+        <p:cNvPr id="1" name=""/>
+        <p:cNvGrpSpPr/>
+        <p:nvPr/>
+      </p:nvGrpSpPr>
+      <p:grpSpPr>
+        <a:xfrm>
+          <a:off x="0" y="0"/>
+          <a:ext cx="0" cy="0"/>
+          <a:chOff x="0" y="0"/>
+          <a:chExt cx="0" cy="0"/>
+        </a:xfrm>
+      </p:grpSpPr>
+      <p:sp>
+        <p:nvSpPr>
+          <p:cNvPr id="2" name="Titre 1"/>
+          <p:cNvSpPr>
+            <a:spLocks noGrp="1"/>
+          </p:cNvSpPr>
+          <p:nvPr>
+            <p:ph type="title"/>
+          </p:nvPr>
+        </p:nvSpPr>
+        <p:spPr/>
+        <p:txBody>
+          <a:bodyPr/>
+          <a:lstStyle/>
+          <a:p>
+            <a:pPr algn="ctr"/>
+            <a:r>
+              <a:rPr lang="fr-FR" dirty="0" err="1" smtClean="0"/>
+              <a:t>Mindmap</a:t>
+            </a:r>
+            <a:endParaRPr lang="fr-FR" dirty="0"/>
+          </a:p>
+        </p:txBody>
+      </p:sp>
+      <p:pic>
+        <p:nvPicPr>
+          <p:cNvPr id="4" name="Espace réservé du contenu 3"/>
+          <p:cNvPicPr>
+            <a:picLocks noGrp="1" noChangeAspect="1"/>
+          </p:cNvPicPr>
+          <p:nvPr>
+            <p:ph idx="1"/>
+          </p:nvPr>
+        </p:nvPicPr>
+        <p:blipFill>
+          <a:blip r:embed="rId2"/>
+          <a:stretch>
+            <a:fillRect/>
+          </a:stretch>
+        </p:blipFill>
+        <p:spPr>
+          <a:xfrm>
+            <a:off x="3473542" y="1825625"/>
+            <a:ext cx="5244916" cy="4351338"/>
+          </a:xfrm>
+          <a:prstGeom prst="rect">
+            <a:avLst/>
+          </a:prstGeom>
+        </p:spPr>
+      </p:pic>
+    </p:spTree>
+    <p:extLst>
+      <p:ext uri="{BB962C8B-B14F-4D97-AF65-F5344CB8AC3E}">
+        <p14:creationId xmlns:p14="http://schemas.microsoft.com/office/powerpoint/2010/main" val="49183279"/>
+      </p:ext>
+    </p:extLst>
+  </p:cSld>
+  <p:clrMapOvr>
+    <a:masterClrMapping/>
+  </p:clrMapOvr>
+  <p:timing>
+    <p:tnLst>
+      <p:par>
+        <p:cTn id="1" dur="indefinite" restart="never" nodeType="tmRoot"/>
+      </p:par>
+    </p:tnLst>
+  </p:timing>
+</p:sld>
+</file>
+
+<file path=ppt/slides/slide9.xml><?xml version="1.0" encoding="utf-8"?>
+<p:sld xmlns:a="http://schemas.openxmlformats.org/drawingml/2006/main" xmlns:r="http://schemas.openxmlformats.org/officeDocument/2006/relationships" xmlns:p="http://schemas.openxmlformats.org/presentationml/2006/main">
+  <p:cSld>
+    <p:spTree>
+      <p:nvGrpSpPr>
+        <p:cNvPr id="1" name=""/>
+        <p:cNvGrpSpPr/>
+        <p:nvPr/>
+      </p:nvGrpSpPr>
+      <p:grpSpPr>
+        <a:xfrm>
+          <a:off x="0" y="0"/>
+          <a:ext cx="0" cy="0"/>
+          <a:chOff x="0" y="0"/>
+          <a:chExt cx="0" cy="0"/>
+        </a:xfrm>
+      </p:grpSpPr>
+      <p:sp>
+        <p:nvSpPr>
+          <p:cNvPr id="2" name="Titre 1"/>
+          <p:cNvSpPr>
+            <a:spLocks noGrp="1"/>
+          </p:cNvSpPr>
+          <p:nvPr>
+            <p:ph type="title"/>
+          </p:nvPr>
+        </p:nvSpPr>
+        <p:spPr/>
+        <p:txBody>
+          <a:bodyPr/>
+          <a:lstStyle/>
+          <a:p>
+            <a:pPr algn="ctr"/>
+            <a:r>
+              <a:rPr lang="fr-FR" dirty="0" smtClean="0">
+                <a:solidFill>
+                  <a:srgbClr val="002060"/>
+                </a:solidFill>
+              </a:rPr>
+              <a:t>Avantages</a:t>
+            </a:r>
+            <a:endParaRPr lang="fr-FR" dirty="0">
+              <a:solidFill>
+                <a:srgbClr val="002060"/>
+              </a:solidFill>
+            </a:endParaRPr>
+          </a:p>
+        </p:txBody>
+      </p:sp>
+      <p:sp>
+        <p:nvSpPr>
+          <p:cNvPr id="3" name="Espace réservé du contenu 2"/>
+          <p:cNvSpPr>
+            <a:spLocks noGrp="1"/>
+          </p:cNvSpPr>
+          <p:nvPr>
+            <p:ph idx="1"/>
+          </p:nvPr>
+        </p:nvSpPr>
+        <p:spPr/>
+        <p:txBody>
+          <a:bodyPr>
+            <a:normAutofit lnSpcReduction="10000"/>
+          </a:bodyPr>
+          <a:lstStyle/>
+          <a:p>
+            <a:r>
+              <a:rPr lang="fr-FR" dirty="0" smtClean="0"/>
+              <a:t>Présentation de page web </a:t>
+            </a:r>
+            <a:r>
+              <a:rPr lang="fr-FR" b="1" dirty="0" smtClean="0"/>
+              <a:t>facile</a:t>
+            </a:r>
+            <a:r>
+              <a:rPr lang="fr-FR" dirty="0" smtClean="0"/>
+              <a:t> et </a:t>
+            </a:r>
+            <a:r>
+              <a:rPr lang="fr-FR" b="1" dirty="0" smtClean="0"/>
+              <a:t>rapide</a:t>
+            </a:r>
+            <a:r>
+              <a:rPr lang="fr-FR" dirty="0" smtClean="0"/>
+              <a:t> </a:t>
+            </a:r>
+          </a:p>
+          <a:p>
+            <a:endParaRPr lang="fr-FR" dirty="0" smtClean="0"/>
+          </a:p>
+          <a:p>
+            <a:r>
+              <a:rPr lang="fr-FR" dirty="0" smtClean="0"/>
+              <a:t>Positionnement des éléments HTML selon un </a:t>
+            </a:r>
+            <a:r>
+              <a:rPr lang="fr-FR" b="1" dirty="0" smtClean="0"/>
+              <a:t>système </a:t>
+            </a:r>
+            <a:r>
+              <a:rPr lang="fr-FR" b="1" dirty="0"/>
+              <a:t>de grille</a:t>
+            </a:r>
+            <a:r>
+              <a:rPr lang="fr-FR" dirty="0"/>
+              <a:t> </a:t>
+            </a:r>
+            <a:endParaRPr lang="fr-FR" dirty="0" smtClean="0"/>
+          </a:p>
+          <a:p>
+            <a:endParaRPr lang="fr-FR" dirty="0" smtClean="0"/>
+          </a:p>
+          <a:p>
+            <a:r>
+              <a:rPr lang="fr-FR" b="1" dirty="0"/>
+              <a:t>R</a:t>
+            </a:r>
+            <a:r>
+              <a:rPr lang="fr-FR" b="1" dirty="0" smtClean="0"/>
+              <a:t>esponsive </a:t>
+            </a:r>
+            <a:r>
+              <a:rPr lang="fr-FR" dirty="0" smtClean="0"/>
+              <a:t>facile</a:t>
+            </a:r>
+          </a:p>
+          <a:p>
+            <a:endParaRPr lang="fr-FR" dirty="0" smtClean="0"/>
+          </a:p>
+          <a:p>
+            <a:r>
+              <a:rPr lang="fr-FR" dirty="0" smtClean="0"/>
+              <a:t>Une </a:t>
+            </a:r>
+            <a:r>
+              <a:rPr lang="fr-FR" b="1" dirty="0"/>
+              <a:t>compatibilité</a:t>
+            </a:r>
+            <a:r>
+              <a:rPr lang="fr-FR" dirty="0"/>
+              <a:t> entre tous les </a:t>
+            </a:r>
+            <a:r>
+              <a:rPr lang="fr-FR" dirty="0" smtClean="0"/>
+              <a:t>navigateurs</a:t>
+            </a:r>
+          </a:p>
+          <a:p>
+            <a:endParaRPr lang="fr-FR" dirty="0" smtClean="0"/>
+          </a:p>
+          <a:p>
+            <a:r>
+              <a:rPr lang="fr-FR" dirty="0" smtClean="0"/>
+              <a:t>Pas d’installation nécessaire (</a:t>
+            </a:r>
+            <a:r>
+              <a:rPr lang="fr-FR" b="1" dirty="0" smtClean="0"/>
+              <a:t>CDN</a:t>
+            </a:r>
+            <a:r>
+              <a:rPr lang="fr-FR" dirty="0" smtClean="0"/>
+              <a:t>)</a:t>
+            </a:r>
+            <a:endParaRPr lang="fr-FR" dirty="0"/>
+          </a:p>
+        </p:txBody>
+      </p:sp>
+    </p:spTree>
+    <p:extLst>
+      <p:ext uri="{BB962C8B-B14F-4D97-AF65-F5344CB8AC3E}">
+        <p14:creationId xmlns:p14="http://schemas.microsoft.com/office/powerpoint/2010/main" val="360716587"/>
+      </p:ext>
+    </p:extLst>
+  </p:cSld>
+  <p:clrMapOvr>
+    <a:masterClrMapping/>
+  </p:clrMapOvr>
+  <p:timing>
+    <p:tnLst>
+      <p:par>
+        <p:cTn id="1" dur="indefinite" restart="never" nodeType="tmRoot"/>
+      </p:par>
+    </p:tnLst>
+  </p:timing>
 </p:sld>
 </file>
 
